--- a/kubernetes/Kubernetes.pptx
+++ b/kubernetes/Kubernetes.pptx
@@ -22,6 +22,10 @@
     <p:sldId id="271" r:id="rId16"/>
     <p:sldId id="272" r:id="rId17"/>
     <p:sldId id="276" r:id="rId18"/>
+    <p:sldId id="277" r:id="rId19"/>
+    <p:sldId id="278" r:id="rId20"/>
+    <p:sldId id="279" r:id="rId21"/>
+    <p:sldId id="280" r:id="rId22"/>
   </p:sldIdLst>
   <p:sldSz cx="12192000" cy="6858000"/>
   <p:notesSz cx="6858000" cy="9144000"/>
@@ -5371,7 +5375,19 @@
           <a:p>
             <a:r>
               <a:rPr lang="en-US" sz="2800" dirty="0" smtClean="0"/>
-              <a:t>Kubernetes Installation.</a:t>
+              <a:t>Kubernetes </a:t>
+            </a:r>
+            <a:r>
+              <a:rPr lang="en-US" sz="2800" dirty="0" smtClean="0"/>
+              <a:t>Installation(</a:t>
+            </a:r>
+            <a:r>
+              <a:rPr lang="en-US" sz="2800" dirty="0" err="1" smtClean="0"/>
+              <a:t>kube-adm</a:t>
+            </a:r>
+            <a:r>
+              <a:rPr lang="en-US" sz="2800" dirty="0" smtClean="0"/>
+              <a:t>).</a:t>
             </a:r>
             <a:endParaRPr lang="en-GB" sz="2800" dirty="0"/>
           </a:p>
@@ -6280,6 +6296,540 @@
 </p:sld>
 </file>
 
+<file path=ppt/slides/slide18.xml><?xml version="1.0" encoding="utf-8"?>
+<p:sld xmlns:a="http://schemas.openxmlformats.org/drawingml/2006/main" xmlns:r="http://schemas.openxmlformats.org/officeDocument/2006/relationships" xmlns:p="http://schemas.openxmlformats.org/presentationml/2006/main">
+  <p:cSld>
+    <p:spTree>
+      <p:nvGrpSpPr>
+        <p:cNvPr id="1" name=""/>
+        <p:cNvGrpSpPr/>
+        <p:nvPr/>
+      </p:nvGrpSpPr>
+      <p:grpSpPr>
+        <a:xfrm>
+          <a:off x="0" y="0"/>
+          <a:ext cx="0" cy="0"/>
+          <a:chOff x="0" y="0"/>
+          <a:chExt cx="0" cy="0"/>
+        </a:xfrm>
+      </p:grpSpPr>
+      <p:sp>
+        <p:nvSpPr>
+          <p:cNvPr id="2" name="Title 1"/>
+          <p:cNvSpPr>
+            <a:spLocks noGrp="1"/>
+          </p:cNvSpPr>
+          <p:nvPr>
+            <p:ph type="title"/>
+          </p:nvPr>
+        </p:nvSpPr>
+        <p:spPr>
+          <a:xfrm>
+            <a:off x="838200" y="365126"/>
+            <a:ext cx="10515600" cy="507234"/>
+          </a:xfrm>
+        </p:spPr>
+        <p:txBody>
+          <a:bodyPr>
+            <a:normAutofit/>
+          </a:bodyPr>
+          <a:lstStyle/>
+          <a:p>
+            <a:r>
+              <a:rPr lang="en-US" sz="2000" dirty="0" err="1" smtClean="0"/>
+              <a:t>KubeConfig</a:t>
+            </a:r>
+            <a:r>
+              <a:rPr lang="en-US" sz="2000" dirty="0" smtClean="0"/>
+              <a:t> Files</a:t>
+            </a:r>
+            <a:endParaRPr lang="en-GB" sz="2000" dirty="0"/>
+          </a:p>
+        </p:txBody>
+      </p:sp>
+      <p:sp>
+        <p:nvSpPr>
+          <p:cNvPr id="3" name="Content Placeholder 2"/>
+          <p:cNvSpPr>
+            <a:spLocks noGrp="1"/>
+          </p:cNvSpPr>
+          <p:nvPr>
+            <p:ph idx="1"/>
+          </p:nvPr>
+        </p:nvSpPr>
+        <p:spPr>
+          <a:xfrm>
+            <a:off x="838200" y="798786"/>
+            <a:ext cx="10515600" cy="5378177"/>
+          </a:xfrm>
+        </p:spPr>
+        <p:txBody>
+          <a:bodyPr>
+            <a:normAutofit/>
+          </a:bodyPr>
+          <a:lstStyle/>
+          <a:p>
+            <a:r>
+              <a:rPr lang="en-US" sz="1600" dirty="0" smtClean="0"/>
+              <a:t>It is a file which is used to configure access to clusters and is a generic way of referring configuration files, it is not necessary they be named as </a:t>
+            </a:r>
+            <a:r>
+              <a:rPr lang="en-US" sz="1600" dirty="0" err="1" smtClean="0"/>
+              <a:t>kubeconfig</a:t>
+            </a:r>
+            <a:r>
+              <a:rPr lang="en-US" sz="1600" dirty="0" smtClean="0"/>
+              <a:t>.</a:t>
+            </a:r>
+          </a:p>
+          <a:p>
+            <a:r>
+              <a:rPr lang="en-US" sz="1600" dirty="0" smtClean="0"/>
+              <a:t>By default Kubectl looks for a file name “</a:t>
+            </a:r>
+            <a:r>
+              <a:rPr lang="en-US" sz="1600" dirty="0" err="1" smtClean="0"/>
+              <a:t>config</a:t>
+            </a:r>
+            <a:r>
+              <a:rPr lang="en-US" sz="1600" dirty="0" smtClean="0"/>
+              <a:t>” under $home/.</a:t>
+            </a:r>
+            <a:r>
+              <a:rPr lang="en-US" sz="1600" dirty="0" err="1" smtClean="0"/>
+              <a:t>kube</a:t>
+            </a:r>
+            <a:r>
+              <a:rPr lang="en-US" sz="1600" dirty="0" smtClean="0"/>
+              <a:t>.</a:t>
+            </a:r>
+          </a:p>
+          <a:p>
+            <a:r>
+              <a:rPr lang="en-US" sz="1600" dirty="0" smtClean="0"/>
+              <a:t>Other can files can be specified by environment variable “KUBECONFIG” or --</a:t>
+            </a:r>
+            <a:r>
+              <a:rPr lang="en-US" sz="1600" dirty="0" err="1" smtClean="0"/>
+              <a:t>kubeconfig</a:t>
+            </a:r>
+            <a:r>
+              <a:rPr lang="en-US" sz="1600" dirty="0" smtClean="0"/>
+              <a:t> flag.</a:t>
+            </a:r>
+          </a:p>
+          <a:p>
+            <a:r>
+              <a:rPr lang="en-US" sz="1600" b="1" dirty="0" smtClean="0"/>
+              <a:t>context </a:t>
+            </a:r>
+            <a:r>
+              <a:rPr lang="en-US" sz="1600" dirty="0" smtClean="0"/>
+              <a:t>element is used in </a:t>
+            </a:r>
+            <a:r>
+              <a:rPr lang="en-US" sz="1600" dirty="0" err="1" smtClean="0"/>
+              <a:t>kubeconfig</a:t>
+            </a:r>
+            <a:r>
+              <a:rPr lang="en-US" sz="1600" dirty="0" smtClean="0"/>
+              <a:t> to </a:t>
+            </a:r>
+            <a:r>
+              <a:rPr lang="en-US" sz="1600" dirty="0"/>
+              <a:t>g</a:t>
+            </a:r>
+            <a:r>
+              <a:rPr lang="en-US" sz="1600" dirty="0" smtClean="0"/>
+              <a:t>roup access parameters under a single name. Each context has 3 parameters namespace, user and cluster.</a:t>
+            </a:r>
+          </a:p>
+          <a:p>
+            <a:r>
+              <a:rPr lang="en-US" sz="1600" b="1" dirty="0" smtClean="0"/>
+              <a:t>KUBECONFIG </a:t>
+            </a:r>
+            <a:r>
+              <a:rPr lang="en-US" sz="1600" dirty="0" smtClean="0"/>
+              <a:t>variables holds are list of multiple </a:t>
+            </a:r>
+            <a:r>
+              <a:rPr lang="en-US" sz="1600" dirty="0" err="1" smtClean="0"/>
+              <a:t>kubeconfig</a:t>
+            </a:r>
+            <a:r>
+              <a:rPr lang="en-US" sz="1600" dirty="0" smtClean="0"/>
+              <a:t> files to be used in creating a single merged </a:t>
+            </a:r>
+            <a:r>
+              <a:rPr lang="en-US" sz="1600" dirty="0" err="1" smtClean="0"/>
+              <a:t>kubeconfig</a:t>
+            </a:r>
+            <a:r>
+              <a:rPr lang="en-US" sz="1600" dirty="0" smtClean="0"/>
+              <a:t>, it is not required to be present for operations to take place, in case of its absence file under $HOME/.</a:t>
+            </a:r>
+            <a:r>
+              <a:rPr lang="en-US" sz="1600" dirty="0" err="1" smtClean="0"/>
+              <a:t>kube</a:t>
+            </a:r>
+            <a:r>
+              <a:rPr lang="en-US" sz="1600" dirty="0" smtClean="0"/>
+              <a:t> is considered.</a:t>
+            </a:r>
+          </a:p>
+          <a:p>
+            <a:pPr lvl="1"/>
+            <a:r>
+              <a:rPr lang="en-US" sz="1400" b="1" dirty="0" smtClean="0"/>
+              <a:t>Merging of the files:</a:t>
+            </a:r>
+          </a:p>
+          <a:p>
+            <a:pPr lvl="2"/>
+            <a:r>
+              <a:rPr lang="en-US" sz="1200" dirty="0" smtClean="0"/>
+              <a:t>If –</a:t>
+            </a:r>
+            <a:r>
+              <a:rPr lang="en-US" sz="1200" dirty="0" err="1" smtClean="0"/>
+              <a:t>kubeconfig</a:t>
+            </a:r>
+            <a:r>
+              <a:rPr lang="en-US" sz="1200" dirty="0" smtClean="0"/>
+              <a:t>  flag is set , use this </a:t>
+            </a:r>
+            <a:r>
+              <a:rPr lang="en-US" sz="1200" dirty="0" err="1" smtClean="0"/>
+              <a:t>config</a:t>
+            </a:r>
+            <a:r>
+              <a:rPr lang="en-US" sz="1200" dirty="0" smtClean="0"/>
+              <a:t> file , no need to merge. In absence consider environment variable.</a:t>
+            </a:r>
+          </a:p>
+          <a:p>
+            <a:pPr lvl="2"/>
+            <a:r>
+              <a:rPr lang="en-US" sz="1200" dirty="0" smtClean="0"/>
+              <a:t>Upon merging, empty file names are ignored.</a:t>
+            </a:r>
+          </a:p>
+          <a:p>
+            <a:pPr lvl="2"/>
+            <a:r>
+              <a:rPr lang="en-US" sz="1200" dirty="0" smtClean="0"/>
+              <a:t>Errors are generated for files that cannot be </a:t>
+            </a:r>
+            <a:r>
+              <a:rPr lang="en-US" sz="1200" dirty="0" err="1" smtClean="0"/>
+              <a:t>deserialized</a:t>
+            </a:r>
+            <a:r>
+              <a:rPr lang="en-US" sz="1200" dirty="0" smtClean="0"/>
+              <a:t>.</a:t>
+            </a:r>
+          </a:p>
+          <a:p>
+            <a:pPr lvl="2"/>
+            <a:r>
+              <a:rPr lang="en-US" sz="1200" dirty="0" smtClean="0"/>
+              <a:t>First file to have a key value wins, next file having same key value is ignored.</a:t>
+            </a:r>
+          </a:p>
+          <a:p>
+            <a:pPr lvl="1"/>
+            <a:r>
+              <a:rPr lang="en-US" sz="1400" b="1" dirty="0" smtClean="0"/>
+              <a:t>Initialization for cluster:</a:t>
+            </a:r>
+          </a:p>
+          <a:p>
+            <a:pPr lvl="2"/>
+            <a:r>
+              <a:rPr lang="en-US" sz="1200" dirty="0" smtClean="0"/>
+              <a:t>Read </a:t>
+            </a:r>
+            <a:r>
+              <a:rPr lang="en-US" sz="1200" dirty="0" err="1" smtClean="0"/>
+              <a:t>kubeconfig</a:t>
+            </a:r>
+            <a:r>
+              <a:rPr lang="en-US" sz="1200" dirty="0" smtClean="0"/>
+              <a:t> flag -&gt; ENV -&gt; $HOME/.</a:t>
+            </a:r>
+            <a:r>
+              <a:rPr lang="en-US" sz="1200" dirty="0" err="1" smtClean="0"/>
+              <a:t>kube</a:t>
+            </a:r>
+            <a:endParaRPr lang="en-US" sz="1200" dirty="0" smtClean="0"/>
+          </a:p>
+          <a:p>
+            <a:pPr lvl="2"/>
+            <a:r>
+              <a:rPr lang="en-US" sz="1200" dirty="0" smtClean="0"/>
+              <a:t>Determine the context (if empty context , it will proceed)</a:t>
+            </a:r>
+          </a:p>
+          <a:p>
+            <a:pPr lvl="2"/>
+            <a:r>
+              <a:rPr lang="en-US" sz="1200" dirty="0" smtClean="0"/>
+              <a:t>Determine cluster and User (-- user, --cluster , context) (If user and cluster empty proceed)</a:t>
+            </a:r>
+          </a:p>
+          <a:p>
+            <a:pPr lvl="2"/>
+            <a:r>
+              <a:rPr lang="en-US" sz="1200" dirty="0" smtClean="0"/>
+              <a:t>Determine actual cluster </a:t>
+            </a:r>
+            <a:r>
+              <a:rPr lang="en-US" sz="1200" dirty="0"/>
+              <a:t>info </a:t>
+            </a:r>
+            <a:r>
+              <a:rPr lang="en-US" sz="1200" dirty="0" smtClean="0"/>
+              <a:t>(--</a:t>
+            </a:r>
+            <a:r>
+              <a:rPr lang="en-US" sz="1200" dirty="0"/>
+              <a:t>server, --certificate-authority, --</a:t>
+            </a:r>
+            <a:r>
+              <a:rPr lang="en-US" sz="1200" dirty="0" smtClean="0"/>
+              <a:t>insecure-skip-</a:t>
+            </a:r>
+            <a:r>
+              <a:rPr lang="en-US" sz="1200" dirty="0" err="1" smtClean="0"/>
+              <a:t>tls</a:t>
+            </a:r>
+            <a:r>
+              <a:rPr lang="en-US" sz="1200" dirty="0" smtClean="0"/>
+              <a:t>-verify, info from merged </a:t>
+            </a:r>
+            <a:r>
+              <a:rPr lang="en-US" sz="1200" dirty="0" err="1" smtClean="0"/>
+              <a:t>kubeconfig</a:t>
+            </a:r>
+            <a:r>
+              <a:rPr lang="en-US" sz="1200" dirty="0" smtClean="0"/>
+              <a:t>), if no server location fail</a:t>
+            </a:r>
+          </a:p>
+          <a:p>
+            <a:pPr lvl="2"/>
+            <a:r>
+              <a:rPr lang="en-US" sz="1200" dirty="0" smtClean="0"/>
+              <a:t>Build User info </a:t>
+            </a:r>
+            <a:r>
+              <a:rPr lang="en-US" sz="1200" dirty="0"/>
+              <a:t>for cluster(--client-certificate, --client-key, --username, --password, --</a:t>
+            </a:r>
+            <a:r>
+              <a:rPr lang="en-US" sz="1200" dirty="0" smtClean="0"/>
+              <a:t>token) ( only one method of </a:t>
+            </a:r>
+            <a:r>
+              <a:rPr lang="en-US" sz="1200" dirty="0" err="1" smtClean="0"/>
+              <a:t>Auth</a:t>
+            </a:r>
+            <a:r>
+              <a:rPr lang="en-US" sz="1200" dirty="0" smtClean="0"/>
+              <a:t> can be used, multiple fails), use info from </a:t>
+            </a:r>
+            <a:r>
+              <a:rPr lang="en-US" sz="1200" dirty="0" err="1" smtClean="0"/>
+              <a:t>kube</a:t>
+            </a:r>
+            <a:r>
+              <a:rPr lang="en-US" sz="1200" dirty="0" smtClean="0"/>
+              <a:t> files , if user </a:t>
+            </a:r>
+            <a:r>
+              <a:rPr lang="en-US" sz="1200" dirty="0" err="1" smtClean="0"/>
+              <a:t>empy</a:t>
+            </a:r>
+            <a:r>
+              <a:rPr lang="en-US" sz="1200" dirty="0" smtClean="0"/>
+              <a:t> prompt for information.</a:t>
+            </a:r>
+            <a:endParaRPr lang="en-US" sz="1200" dirty="0"/>
+          </a:p>
+          <a:p>
+            <a:pPr lvl="2"/>
+            <a:endParaRPr lang="en-US" sz="1200" dirty="0"/>
+          </a:p>
+          <a:p>
+            <a:pPr lvl="2"/>
+            <a:endParaRPr lang="en-US" sz="1200" dirty="0" smtClean="0"/>
+          </a:p>
+          <a:p>
+            <a:pPr lvl="2"/>
+            <a:endParaRPr lang="en-US" sz="1200" dirty="0" smtClean="0"/>
+          </a:p>
+          <a:p>
+            <a:pPr lvl="2"/>
+            <a:endParaRPr lang="en-US" sz="1200" dirty="0" smtClean="0"/>
+          </a:p>
+          <a:p>
+            <a:pPr lvl="2"/>
+            <a:endParaRPr lang="en-GB" sz="800" b="1" dirty="0"/>
+          </a:p>
+        </p:txBody>
+      </p:sp>
+    </p:spTree>
+    <p:extLst>
+      <p:ext uri="{BB962C8B-B14F-4D97-AF65-F5344CB8AC3E}">
+        <p14:creationId xmlns:p14="http://schemas.microsoft.com/office/powerpoint/2010/main" val="2538270817"/>
+      </p:ext>
+    </p:extLst>
+  </p:cSld>
+  <p:clrMapOvr>
+    <a:masterClrMapping/>
+  </p:clrMapOvr>
+</p:sld>
+</file>
+
+<file path=ppt/slides/slide19.xml><?xml version="1.0" encoding="utf-8"?>
+<p:sld xmlns:a="http://schemas.openxmlformats.org/drawingml/2006/main" xmlns:r="http://schemas.openxmlformats.org/officeDocument/2006/relationships" xmlns:p="http://schemas.openxmlformats.org/presentationml/2006/main">
+  <p:cSld>
+    <p:spTree>
+      <p:nvGrpSpPr>
+        <p:cNvPr id="1" name=""/>
+        <p:cNvGrpSpPr/>
+        <p:nvPr/>
+      </p:nvGrpSpPr>
+      <p:grpSpPr>
+        <a:xfrm>
+          <a:off x="0" y="0"/>
+          <a:ext cx="0" cy="0"/>
+          <a:chOff x="0" y="0"/>
+          <a:chExt cx="0" cy="0"/>
+        </a:xfrm>
+      </p:grpSpPr>
+      <p:sp>
+        <p:nvSpPr>
+          <p:cNvPr id="2" name="Title 1"/>
+          <p:cNvSpPr>
+            <a:spLocks noGrp="1"/>
+          </p:cNvSpPr>
+          <p:nvPr>
+            <p:ph type="title"/>
+          </p:nvPr>
+        </p:nvSpPr>
+        <p:spPr>
+          <a:xfrm>
+            <a:off x="838200" y="365126"/>
+            <a:ext cx="10515600" cy="402130"/>
+          </a:xfrm>
+        </p:spPr>
+        <p:txBody>
+          <a:bodyPr>
+            <a:normAutofit fontScale="90000"/>
+          </a:bodyPr>
+          <a:lstStyle/>
+          <a:p>
+            <a:r>
+              <a:rPr lang="en-US" dirty="0" smtClean="0"/>
+              <a:t>Access Control in Kubernetes</a:t>
+            </a:r>
+            <a:endParaRPr lang="en-GB" dirty="0"/>
+          </a:p>
+        </p:txBody>
+      </p:sp>
+      <p:sp>
+        <p:nvSpPr>
+          <p:cNvPr id="3" name="Content Placeholder 2"/>
+          <p:cNvSpPr>
+            <a:spLocks noGrp="1"/>
+          </p:cNvSpPr>
+          <p:nvPr>
+            <p:ph idx="1"/>
+          </p:nvPr>
+        </p:nvSpPr>
+        <p:spPr>
+          <a:xfrm>
+            <a:off x="838200" y="882869"/>
+            <a:ext cx="10515600" cy="5294094"/>
+          </a:xfrm>
+        </p:spPr>
+        <p:txBody>
+          <a:bodyPr>
+            <a:normAutofit/>
+          </a:bodyPr>
+          <a:lstStyle/>
+          <a:p>
+            <a:r>
+              <a:rPr lang="en-US" sz="1600" dirty="0" smtClean="0"/>
+              <a:t>Users access the API using </a:t>
+            </a:r>
+            <a:r>
+              <a:rPr lang="en-US" sz="1600" dirty="0" err="1" smtClean="0"/>
+              <a:t>Kubectl,client</a:t>
+            </a:r>
+            <a:r>
+              <a:rPr lang="en-US" sz="1600" dirty="0" smtClean="0"/>
+              <a:t> libraries, </a:t>
+            </a:r>
+            <a:r>
+              <a:rPr lang="en-US" sz="1600" dirty="0" err="1" smtClean="0"/>
+              <a:t>api</a:t>
+            </a:r>
+            <a:r>
+              <a:rPr lang="en-US" sz="1600" dirty="0" smtClean="0"/>
+              <a:t> calls.</a:t>
+            </a:r>
+          </a:p>
+          <a:p>
+            <a:r>
+              <a:rPr lang="en-US" sz="1600" dirty="0" smtClean="0"/>
+              <a:t>Both human users and service accounts can be authenticated and upon making requests they go through below process.</a:t>
+            </a:r>
+          </a:p>
+          <a:p>
+            <a:endParaRPr lang="en-GB" sz="1600" dirty="0"/>
+          </a:p>
+        </p:txBody>
+      </p:sp>
+      <p:pic>
+        <p:nvPicPr>
+          <p:cNvPr id="5" name="Picture 4"/>
+          <p:cNvPicPr>
+            <a:picLocks noChangeAspect="1"/>
+          </p:cNvPicPr>
+          <p:nvPr/>
+        </p:nvPicPr>
+        <p:blipFill>
+          <a:blip r:embed="rId2"/>
+          <a:stretch>
+            <a:fillRect/>
+          </a:stretch>
+        </p:blipFill>
+        <p:spPr>
+          <a:xfrm>
+            <a:off x="838200" y="1626148"/>
+            <a:ext cx="7606205" cy="4018663"/>
+          </a:xfrm>
+          <a:prstGeom prst="rect">
+            <a:avLst/>
+          </a:prstGeom>
+        </p:spPr>
+      </p:pic>
+    </p:spTree>
+    <p:extLst>
+      <p:ext uri="{BB962C8B-B14F-4D97-AF65-F5344CB8AC3E}">
+        <p14:creationId xmlns:p14="http://schemas.microsoft.com/office/powerpoint/2010/main" val="299253934"/>
+      </p:ext>
+    </p:extLst>
+  </p:cSld>
+  <p:clrMapOvr>
+    <a:masterClrMapping/>
+  </p:clrMapOvr>
+</p:sld>
+</file>
+
 <file path=ppt/slides/slide2.xml><?xml version="1.0" encoding="utf-8"?>
 <p:sld xmlns:a="http://schemas.openxmlformats.org/drawingml/2006/main" xmlns:r="http://schemas.openxmlformats.org/officeDocument/2006/relationships" xmlns:p="http://schemas.openxmlformats.org/presentationml/2006/main">
   <p:cSld>
@@ -6401,6 +6951,631 @@
 </p:sld>
 </file>
 
+<file path=ppt/slides/slide20.xml><?xml version="1.0" encoding="utf-8"?>
+<p:sld xmlns:a="http://schemas.openxmlformats.org/drawingml/2006/main" xmlns:r="http://schemas.openxmlformats.org/officeDocument/2006/relationships" xmlns:p="http://schemas.openxmlformats.org/presentationml/2006/main">
+  <p:cSld>
+    <p:spTree>
+      <p:nvGrpSpPr>
+        <p:cNvPr id="1" name=""/>
+        <p:cNvGrpSpPr/>
+        <p:nvPr/>
+      </p:nvGrpSpPr>
+      <p:grpSpPr>
+        <a:xfrm>
+          <a:off x="0" y="0"/>
+          <a:ext cx="0" cy="0"/>
+          <a:chOff x="0" y="0"/>
+          <a:chExt cx="0" cy="0"/>
+        </a:xfrm>
+      </p:grpSpPr>
+      <p:sp>
+        <p:nvSpPr>
+          <p:cNvPr id="2" name="Title 1"/>
+          <p:cNvSpPr>
+            <a:spLocks noGrp="1"/>
+          </p:cNvSpPr>
+          <p:nvPr>
+            <p:ph type="title"/>
+          </p:nvPr>
+        </p:nvSpPr>
+        <p:spPr>
+          <a:xfrm>
+            <a:off x="838200" y="365125"/>
+            <a:ext cx="10515600" cy="538765"/>
+          </a:xfrm>
+        </p:spPr>
+        <p:txBody>
+          <a:bodyPr>
+            <a:normAutofit fontScale="90000"/>
+          </a:bodyPr>
+          <a:lstStyle/>
+          <a:p>
+            <a:r>
+              <a:rPr lang="en-US" dirty="0" smtClean="0"/>
+              <a:t>Access Control in kubernetes</a:t>
+            </a:r>
+            <a:endParaRPr lang="en-GB" dirty="0"/>
+          </a:p>
+        </p:txBody>
+      </p:sp>
+      <p:sp>
+        <p:nvSpPr>
+          <p:cNvPr id="3" name="Content Placeholder 2"/>
+          <p:cNvSpPr>
+            <a:spLocks noGrp="1"/>
+          </p:cNvSpPr>
+          <p:nvPr>
+            <p:ph idx="1"/>
+          </p:nvPr>
+        </p:nvSpPr>
+        <p:spPr>
+          <a:xfrm>
+            <a:off x="838200" y="903890"/>
+            <a:ext cx="10515600" cy="5273073"/>
+          </a:xfrm>
+        </p:spPr>
+        <p:txBody>
+          <a:bodyPr>
+            <a:normAutofit/>
+          </a:bodyPr>
+          <a:lstStyle/>
+          <a:p>
+            <a:r>
+              <a:rPr lang="en-US" sz="1600" dirty="0" smtClean="0"/>
+              <a:t>Good to know </a:t>
+            </a:r>
+            <a:r>
+              <a:rPr lang="en-US" sz="1600" b="1" dirty="0" smtClean="0"/>
+              <a:t>TLS</a:t>
+            </a:r>
+            <a:r>
+              <a:rPr lang="en-US" sz="1600" dirty="0" smtClean="0"/>
+              <a:t> configuration in kubernetes(</a:t>
+            </a:r>
+            <a:r>
+              <a:rPr lang="en-GB" sz="1600" dirty="0" smtClean="0">
+                <a:hlinkClick r:id="rId2"/>
+              </a:rPr>
+              <a:t>https</a:t>
+            </a:r>
+            <a:r>
+              <a:rPr lang="en-GB" sz="1600" dirty="0">
+                <a:hlinkClick r:id="rId2"/>
+              </a:rPr>
+              <a:t>://kubernetes.io/docs/reference/command-line-tools-reference/kubelet-tls-bootstrapping</a:t>
+            </a:r>
+            <a:r>
+              <a:rPr lang="en-GB" sz="1600" dirty="0" smtClean="0">
+                <a:hlinkClick r:id="rId2"/>
+              </a:rPr>
+              <a:t>/</a:t>
+            </a:r>
+            <a:r>
+              <a:rPr lang="en-GB" sz="1600" dirty="0" smtClean="0"/>
+              <a:t>)</a:t>
+            </a:r>
+          </a:p>
+          <a:p>
+            <a:r>
+              <a:rPr lang="en-US" sz="1600" dirty="0" smtClean="0"/>
+              <a:t>Typically API server run on 6443. API server represents a self signed certificate, so on user machine $HOME/.</a:t>
+            </a:r>
+            <a:r>
+              <a:rPr lang="en-US" sz="1600" dirty="0" err="1" smtClean="0"/>
+              <a:t>kube</a:t>
+            </a:r>
+            <a:r>
+              <a:rPr lang="en-US" sz="1600" dirty="0" smtClean="0"/>
+              <a:t> needs to have root ca certificate for API server.</a:t>
+            </a:r>
+          </a:p>
+          <a:p>
+            <a:r>
+              <a:rPr lang="en-US" sz="1600" dirty="0" smtClean="0"/>
+              <a:t>Once request is made this ca certificate is used to establish TLS. After TLS is established the authentication process starts.</a:t>
+            </a:r>
+          </a:p>
+          <a:p>
+            <a:r>
+              <a:rPr lang="en-US" sz="1600" dirty="0" smtClean="0"/>
+              <a:t>Cluster admin configures API server to use one or more </a:t>
+            </a:r>
+            <a:r>
+              <a:rPr lang="en-US" sz="1600" b="1" dirty="0" smtClean="0"/>
+              <a:t>Authentication</a:t>
+            </a:r>
+            <a:r>
+              <a:rPr lang="en-US" sz="1600" dirty="0" smtClean="0"/>
+              <a:t> modules(</a:t>
+            </a:r>
+            <a:r>
+              <a:rPr lang="en-GB" sz="1600" dirty="0">
+                <a:hlinkClick r:id="rId3"/>
+              </a:rPr>
+              <a:t>https://kubernetes.io/docs/reference/access-authn-authz/authentication</a:t>
+            </a:r>
+            <a:r>
+              <a:rPr lang="en-GB" sz="1600" dirty="0" smtClean="0">
+                <a:hlinkClick r:id="rId3"/>
+              </a:rPr>
+              <a:t>/</a:t>
+            </a:r>
+            <a:r>
+              <a:rPr lang="en-GB" sz="1600" dirty="0" smtClean="0"/>
+              <a:t>)</a:t>
+            </a:r>
+            <a:endParaRPr lang="en-US" sz="1600" dirty="0" smtClean="0"/>
+          </a:p>
+          <a:p>
+            <a:r>
+              <a:rPr lang="en-US" sz="1600" dirty="0" smtClean="0"/>
+              <a:t>Users in kubernetes: kubernetes clusters have two types of users service accounts and normal users.</a:t>
+            </a:r>
+          </a:p>
+          <a:p>
+            <a:pPr lvl="1"/>
+            <a:r>
+              <a:rPr lang="en-US" sz="1200" dirty="0" smtClean="0"/>
+              <a:t>Normal users: these users are managed by and independent outside service like an </a:t>
+            </a:r>
+            <a:r>
+              <a:rPr lang="en-GB" sz="1200" dirty="0" smtClean="0"/>
+              <a:t>admin </a:t>
+            </a:r>
+            <a:r>
+              <a:rPr lang="en-GB" sz="1200" dirty="0"/>
+              <a:t>distributing private keys, a user store like Keystone or Google Accounts, even a file with a list of usernames and </a:t>
+            </a:r>
+            <a:r>
+              <a:rPr lang="en-GB" sz="1200" dirty="0" smtClean="0"/>
+              <a:t>passwords.</a:t>
+            </a:r>
+          </a:p>
+          <a:p>
+            <a:pPr lvl="2"/>
+            <a:r>
+              <a:rPr lang="en-GB" sz="1200" dirty="0"/>
+              <a:t>Kubernetes does not have objects for outside users and they cannot be added using API calls.</a:t>
+            </a:r>
+          </a:p>
+          <a:p>
+            <a:pPr lvl="1"/>
+            <a:r>
+              <a:rPr lang="en-US" sz="1200" dirty="0" smtClean="0"/>
+              <a:t>Service Accounts: these are managed by kubernetes API and belong to specific namespaces and are created automatically by API server or through API calls.</a:t>
+            </a:r>
+          </a:p>
+          <a:p>
+            <a:pPr lvl="2"/>
+            <a:r>
+              <a:rPr lang="en-US" sz="1200" dirty="0"/>
+              <a:t>Service accounts are tied to </a:t>
+            </a:r>
+            <a:r>
+              <a:rPr lang="en-US" sz="1200" dirty="0" smtClean="0"/>
+              <a:t>secrets which are mounted on PODS and establish communication to API server.</a:t>
+            </a:r>
+          </a:p>
+          <a:p>
+            <a:pPr lvl="1"/>
+            <a:r>
+              <a:rPr lang="en-US" sz="1200" dirty="0" smtClean="0"/>
+              <a:t>API requests are either tied to a service account or a user else they are treated as anonymous requests.</a:t>
+            </a:r>
+          </a:p>
+          <a:p>
+            <a:r>
+              <a:rPr lang="en-US" sz="1600" dirty="0"/>
+              <a:t>K</a:t>
+            </a:r>
+            <a:r>
+              <a:rPr lang="en-GB" sz="1600" dirty="0" err="1"/>
+              <a:t>ubernetes</a:t>
+            </a:r>
+            <a:r>
+              <a:rPr lang="en-GB" sz="1600" dirty="0"/>
+              <a:t> </a:t>
+            </a:r>
+            <a:r>
+              <a:rPr lang="en-GB" sz="1600" dirty="0"/>
+              <a:t>uses client certificates, bearer tokens, an authenticating proxy, or HTTP basic </a:t>
+            </a:r>
+            <a:r>
+              <a:rPr lang="en-GB" sz="1600" dirty="0" err="1"/>
+              <a:t>auth</a:t>
+            </a:r>
+            <a:r>
+              <a:rPr lang="en-GB" sz="1600" dirty="0"/>
+              <a:t> to authenticate API requests through authentication </a:t>
+            </a:r>
+            <a:r>
+              <a:rPr lang="en-GB" sz="1600" dirty="0" smtClean="0"/>
+              <a:t>plugins.</a:t>
+            </a:r>
+          </a:p>
+          <a:p>
+            <a:pPr lvl="1"/>
+            <a:r>
+              <a:rPr lang="en-US" sz="1200" dirty="0" smtClean="0"/>
+              <a:t>Upon http requests, the plugins associate , USERNAME,UID,GROUPS,EXTRA INFORMATION ,all these values hold importance for authorization.</a:t>
+            </a:r>
+          </a:p>
+          <a:p>
+            <a:pPr lvl="1"/>
+            <a:r>
+              <a:rPr lang="en-US" sz="1200" dirty="0" smtClean="0"/>
+              <a:t>Multiple authentication can be enabled at  a time, however it is recommended to use at </a:t>
+            </a:r>
+            <a:r>
+              <a:rPr lang="en-US" sz="1200" dirty="0" err="1" smtClean="0"/>
+              <a:t>leat</a:t>
+            </a:r>
+            <a:r>
+              <a:rPr lang="en-US" sz="1200" dirty="0" smtClean="0"/>
+              <a:t> two modes  one for user authentication and other for service account authentication.</a:t>
+            </a:r>
+          </a:p>
+          <a:p>
+            <a:pPr marL="457200" lvl="1" indent="0">
+              <a:buNone/>
+            </a:pPr>
+            <a:endParaRPr lang="en-US" sz="1200" dirty="0"/>
+          </a:p>
+        </p:txBody>
+      </p:sp>
+    </p:spTree>
+    <p:extLst>
+      <p:ext uri="{BB962C8B-B14F-4D97-AF65-F5344CB8AC3E}">
+        <p14:creationId xmlns:p14="http://schemas.microsoft.com/office/powerpoint/2010/main" val="4111594671"/>
+      </p:ext>
+    </p:extLst>
+  </p:cSld>
+  <p:clrMapOvr>
+    <a:masterClrMapping/>
+  </p:clrMapOvr>
+</p:sld>
+</file>
+
+<file path=ppt/slides/slide21.xml><?xml version="1.0" encoding="utf-8"?>
+<p:sld xmlns:a="http://schemas.openxmlformats.org/drawingml/2006/main" xmlns:r="http://schemas.openxmlformats.org/officeDocument/2006/relationships" xmlns:p="http://schemas.openxmlformats.org/presentationml/2006/main">
+  <p:cSld>
+    <p:spTree>
+      <p:nvGrpSpPr>
+        <p:cNvPr id="1" name=""/>
+        <p:cNvGrpSpPr/>
+        <p:nvPr/>
+      </p:nvGrpSpPr>
+      <p:grpSpPr>
+        <a:xfrm>
+          <a:off x="0" y="0"/>
+          <a:ext cx="0" cy="0"/>
+          <a:chOff x="0" y="0"/>
+          <a:chExt cx="0" cy="0"/>
+        </a:xfrm>
+      </p:grpSpPr>
+      <p:sp>
+        <p:nvSpPr>
+          <p:cNvPr id="2" name="Title 1"/>
+          <p:cNvSpPr>
+            <a:spLocks noGrp="1"/>
+          </p:cNvSpPr>
+          <p:nvPr>
+            <p:ph type="title"/>
+          </p:nvPr>
+        </p:nvSpPr>
+        <p:spPr>
+          <a:xfrm>
+            <a:off x="838200" y="365126"/>
+            <a:ext cx="10515600" cy="349578"/>
+          </a:xfrm>
+        </p:spPr>
+        <p:txBody>
+          <a:bodyPr>
+            <a:normAutofit fontScale="90000"/>
+          </a:bodyPr>
+          <a:lstStyle/>
+          <a:p>
+            <a:r>
+              <a:rPr lang="en-US" dirty="0"/>
+              <a:t>Access Control in kubernetes</a:t>
+            </a:r>
+            <a:endParaRPr lang="en-GB" dirty="0"/>
+          </a:p>
+        </p:txBody>
+      </p:sp>
+      <p:sp>
+        <p:nvSpPr>
+          <p:cNvPr id="3" name="Content Placeholder 2"/>
+          <p:cNvSpPr>
+            <a:spLocks noGrp="1"/>
+          </p:cNvSpPr>
+          <p:nvPr>
+            <p:ph idx="1"/>
+          </p:nvPr>
+        </p:nvSpPr>
+        <p:spPr>
+          <a:xfrm>
+            <a:off x="838200" y="830317"/>
+            <a:ext cx="10515600" cy="5346646"/>
+          </a:xfrm>
+        </p:spPr>
+        <p:txBody>
+          <a:bodyPr>
+            <a:normAutofit/>
+          </a:bodyPr>
+          <a:lstStyle/>
+          <a:p>
+            <a:r>
+              <a:rPr lang="en-US" sz="1600" dirty="0" smtClean="0"/>
+              <a:t>Once the request has been authenticated , it will need to be </a:t>
+            </a:r>
+            <a:r>
+              <a:rPr lang="en-US" sz="1600" b="1" dirty="0" smtClean="0"/>
+              <a:t>Authorized</a:t>
+            </a:r>
+            <a:r>
+              <a:rPr lang="en-US" sz="1600" dirty="0" smtClean="0"/>
+              <a:t>.</a:t>
+            </a:r>
+          </a:p>
+          <a:p>
+            <a:pPr lvl="1"/>
+            <a:r>
+              <a:rPr lang="en-US" sz="1200" dirty="0" smtClean="0"/>
+              <a:t>Request access header contains </a:t>
+            </a:r>
+            <a:r>
+              <a:rPr lang="en-US" sz="1200" b="1" dirty="0" smtClean="0"/>
+              <a:t>username</a:t>
+            </a:r>
+            <a:r>
+              <a:rPr lang="en-US" sz="1200" dirty="0" smtClean="0"/>
+              <a:t>, </a:t>
+            </a:r>
+            <a:r>
+              <a:rPr lang="en-US" sz="1200" b="1" dirty="0" smtClean="0"/>
+              <a:t>action</a:t>
+            </a:r>
+            <a:r>
+              <a:rPr lang="en-US" sz="1200" dirty="0" smtClean="0"/>
+              <a:t>, </a:t>
+            </a:r>
+            <a:r>
+              <a:rPr lang="en-US" sz="1200" b="1" dirty="0" smtClean="0"/>
+              <a:t>object</a:t>
+            </a:r>
+            <a:r>
+              <a:rPr lang="en-US" sz="1200" dirty="0" smtClean="0"/>
+              <a:t> on which action is to be performed. Request is authorized if the users has permission to perform the action on the object defined in the authorization policy.</a:t>
+            </a:r>
+          </a:p>
+          <a:p>
+            <a:pPr lvl="1"/>
+            <a:r>
+              <a:rPr lang="en-GB" sz="1200" dirty="0"/>
+              <a:t>Kubernetes supports multiple authorization modules, such as ABAC mode, RBAC Mode, and </a:t>
+            </a:r>
+            <a:r>
+              <a:rPr lang="en-GB" sz="1200" dirty="0" err="1"/>
+              <a:t>Webhook</a:t>
+            </a:r>
+            <a:r>
+              <a:rPr lang="en-GB" sz="1200" dirty="0"/>
+              <a:t> mode. </a:t>
+            </a:r>
+          </a:p>
+          <a:p>
+            <a:pPr lvl="1"/>
+            <a:r>
+              <a:rPr lang="en-GB" sz="1200" dirty="0"/>
+              <a:t>cluster admin,  configure the authorization modules at cluster setup that should be used in the API server. </a:t>
+            </a:r>
+          </a:p>
+          <a:p>
+            <a:pPr lvl="1"/>
+            <a:r>
+              <a:rPr lang="en-GB" sz="1200" dirty="0"/>
+              <a:t>If more than one authorization modules are configured, Kubernetes checks each module, and if any module authorizes the request, then the request can proceed. If all of the modules deny the request, then the request is denied </a:t>
+            </a:r>
+            <a:r>
+              <a:rPr lang="en-GB" sz="1200" dirty="0" smtClean="0"/>
+              <a:t>.</a:t>
+            </a:r>
+          </a:p>
+          <a:p>
+            <a:pPr lvl="1"/>
+            <a:r>
+              <a:rPr lang="en-GB" sz="1200" dirty="0" smtClean="0"/>
+              <a:t>More on authorization at </a:t>
+            </a:r>
+            <a:r>
+              <a:rPr lang="en-GB" sz="1200" dirty="0">
+                <a:hlinkClick r:id="rId2"/>
+              </a:rPr>
+              <a:t>https://kubernetes.io/docs/reference/access-authn-authz/authorization/#</a:t>
+            </a:r>
+            <a:r>
+              <a:rPr lang="en-GB" sz="1200" dirty="0" smtClean="0">
+                <a:hlinkClick r:id="rId2"/>
+              </a:rPr>
+              <a:t>checking-api-access</a:t>
+            </a:r>
+            <a:endParaRPr lang="en-GB" sz="1200" dirty="0" smtClean="0"/>
+          </a:p>
+          <a:p>
+            <a:pPr lvl="1"/>
+            <a:r>
+              <a:rPr lang="en-US" sz="1200" dirty="0" smtClean="0"/>
+              <a:t>Four types of Authorization Modes:</a:t>
+            </a:r>
+          </a:p>
+          <a:p>
+            <a:pPr lvl="2"/>
+            <a:r>
+              <a:rPr lang="en-US" sz="800" dirty="0" smtClean="0"/>
+              <a:t>Node Authorization :</a:t>
+            </a:r>
+            <a:r>
+              <a:rPr lang="en-GB" sz="800" dirty="0">
+                <a:hlinkClick r:id="rId3"/>
+              </a:rPr>
+              <a:t>https://kubernetes.io/docs/reference/access-authn-authz/node/</a:t>
+            </a:r>
+            <a:endParaRPr lang="en-US" sz="800" dirty="0" smtClean="0"/>
+          </a:p>
+          <a:p>
+            <a:pPr lvl="2"/>
+            <a:r>
+              <a:rPr lang="en-US" sz="800" dirty="0" smtClean="0"/>
+              <a:t>RBAC Authorization: </a:t>
+            </a:r>
+            <a:r>
+              <a:rPr lang="en-GB" sz="800" dirty="0">
+                <a:hlinkClick r:id="rId4"/>
+              </a:rPr>
+              <a:t>https://kubernetes.io/docs/reference/access-authn-authz/rbac</a:t>
+            </a:r>
+            <a:r>
+              <a:rPr lang="en-GB" sz="800" dirty="0" smtClean="0">
+                <a:hlinkClick r:id="rId4"/>
+              </a:rPr>
+              <a:t>/</a:t>
+            </a:r>
+            <a:endParaRPr lang="en-GB" sz="800" dirty="0" smtClean="0"/>
+          </a:p>
+          <a:p>
+            <a:pPr lvl="2"/>
+            <a:r>
+              <a:rPr lang="en-GB" sz="800" dirty="0" smtClean="0"/>
+              <a:t>ABAC Authorization: </a:t>
+            </a:r>
+            <a:r>
+              <a:rPr lang="en-GB" sz="800" dirty="0">
+                <a:hlinkClick r:id="rId5"/>
+              </a:rPr>
+              <a:t>https://kubernetes.io/docs/reference/access-authn-authz/abac</a:t>
+            </a:r>
+            <a:r>
+              <a:rPr lang="en-GB" sz="800" dirty="0" smtClean="0">
+                <a:hlinkClick r:id="rId5"/>
+              </a:rPr>
+              <a:t>/</a:t>
+            </a:r>
+            <a:endParaRPr lang="en-GB" sz="800" dirty="0" smtClean="0"/>
+          </a:p>
+          <a:p>
+            <a:pPr lvl="2"/>
+            <a:r>
+              <a:rPr lang="en-GB" sz="800" dirty="0" err="1" smtClean="0"/>
+              <a:t>WebHook</a:t>
+            </a:r>
+            <a:r>
+              <a:rPr lang="en-GB" sz="800" dirty="0" smtClean="0"/>
+              <a:t> Authorization: </a:t>
+            </a:r>
+            <a:r>
+              <a:rPr lang="en-GB" sz="800" dirty="0">
+                <a:hlinkClick r:id="rId6"/>
+              </a:rPr>
+              <a:t>https://kubernetes.io/docs/reference/access-authn-authz/webhook</a:t>
+            </a:r>
+            <a:r>
+              <a:rPr lang="en-GB" sz="800" dirty="0" smtClean="0">
+                <a:hlinkClick r:id="rId6"/>
+              </a:rPr>
+              <a:t>/</a:t>
+            </a:r>
+            <a:endParaRPr lang="en-GB" sz="800" dirty="0" smtClean="0"/>
+          </a:p>
+          <a:p>
+            <a:r>
+              <a:rPr lang="en-US" sz="1600" dirty="0" smtClean="0"/>
+              <a:t>After Authorization the request proceeds </a:t>
+            </a:r>
+            <a:r>
+              <a:rPr lang="en-US" sz="1600" b="1" dirty="0" smtClean="0"/>
+              <a:t>Admission Controller</a:t>
+            </a:r>
+            <a:r>
+              <a:rPr lang="en-US" sz="1600" dirty="0" smtClean="0"/>
+              <a:t>.</a:t>
+            </a:r>
+            <a:endParaRPr lang="en-US" sz="1600" dirty="0"/>
+          </a:p>
+          <a:p>
+            <a:pPr lvl="1"/>
+            <a:r>
+              <a:rPr lang="en-US" sz="1200" dirty="0" smtClean="0"/>
+              <a:t>Admission controllers intercepts the request made to API server  and can modify and reject the requests.</a:t>
+            </a:r>
+          </a:p>
+          <a:p>
+            <a:pPr lvl="1"/>
+            <a:r>
+              <a:rPr lang="en-US" sz="1200" dirty="0" smtClean="0"/>
+              <a:t>Admission controllers only act on the creation and modification requests and not on read requests.</a:t>
+            </a:r>
+          </a:p>
+          <a:p>
+            <a:pPr lvl="1"/>
+            <a:r>
+              <a:rPr lang="en-US" sz="1200" dirty="0" smtClean="0"/>
+              <a:t>Multiple Admission can be configured by cluster admin, if any of the controller rejects the request ,the request is rejected immediately, unlike in  case for authentication and authorization.</a:t>
+            </a:r>
+          </a:p>
+          <a:p>
+            <a:pPr lvl="1"/>
+            <a:r>
+              <a:rPr lang="en-US" sz="1200" dirty="0" smtClean="0"/>
+              <a:t>Most of the advance features in kubernetes require admission controller to be enabled.</a:t>
+            </a:r>
+          </a:p>
+          <a:p>
+            <a:pPr lvl="1"/>
+            <a:r>
+              <a:rPr lang="en-US" sz="1200" dirty="0" smtClean="0"/>
+              <a:t>More on admission  controller at (</a:t>
+            </a:r>
+            <a:r>
+              <a:rPr lang="en-GB" sz="800" dirty="0">
+                <a:hlinkClick r:id="rId7"/>
+              </a:rPr>
+              <a:t>https://kubernetes.io/docs/reference/access-authn-authz/admission-controllers</a:t>
+            </a:r>
+            <a:r>
+              <a:rPr lang="en-GB" sz="800" dirty="0" smtClean="0">
+                <a:hlinkClick r:id="rId7"/>
+              </a:rPr>
+              <a:t>/</a:t>
+            </a:r>
+            <a:r>
+              <a:rPr lang="en-GB" sz="800" dirty="0" smtClean="0"/>
+              <a:t>)</a:t>
+            </a:r>
+            <a:r>
+              <a:rPr lang="en-US" sz="800" dirty="0" smtClean="0"/>
+              <a:t/>
+            </a:r>
+            <a:br>
+              <a:rPr lang="en-US" sz="800" dirty="0" smtClean="0"/>
+            </a:br>
+            <a:endParaRPr lang="en-GB" sz="800" dirty="0"/>
+          </a:p>
+        </p:txBody>
+      </p:sp>
+    </p:spTree>
+    <p:extLst>
+      <p:ext uri="{BB962C8B-B14F-4D97-AF65-F5344CB8AC3E}">
+        <p14:creationId xmlns:p14="http://schemas.microsoft.com/office/powerpoint/2010/main" val="3121302690"/>
+      </p:ext>
+    </p:extLst>
+  </p:cSld>
+  <p:clrMapOvr>
+    <a:masterClrMapping/>
+  </p:clrMapOvr>
+</p:sld>
+</file>
+
 <file path=ppt/slides/slide3.xml><?xml version="1.0" encoding="utf-8"?>
 <p:sld xmlns:a="http://schemas.openxmlformats.org/drawingml/2006/main" xmlns:r="http://schemas.openxmlformats.org/officeDocument/2006/relationships" xmlns:p="http://schemas.openxmlformats.org/presentationml/2006/main">
   <p:cSld>
@@ -6442,11 +7617,7 @@
           <a:p>
             <a:r>
               <a:rPr lang="en-US" sz="1800" dirty="0" smtClean="0"/>
-              <a:t>Kubernetes is the container orchestration tool</a:t>
-            </a:r>
-            <a:r>
-              <a:rPr lang="en-US" sz="1800" dirty="0" smtClean="0"/>
-              <a:t>.</a:t>
+              <a:t>Kubernetes is the container orchestration tool.</a:t>
             </a:r>
           </a:p>
           <a:p>
@@ -7537,23 +8708,7 @@
             <a:pPr lvl="2"/>
             <a:r>
               <a:rPr lang="en-US" sz="1500" dirty="0" smtClean="0"/>
-              <a:t>Apart </a:t>
-            </a:r>
-            <a:r>
-              <a:rPr lang="en-US" sz="1500" dirty="0" smtClean="0"/>
-              <a:t>from the ones mentioned </a:t>
-            </a:r>
-            <a:r>
-              <a:rPr lang="en-US" sz="1500" dirty="0" smtClean="0"/>
-              <a:t>previously</a:t>
-            </a:r>
-            <a:r>
-              <a:rPr lang="en-US" sz="1500" dirty="0" smtClean="0"/>
-              <a:t> </a:t>
-            </a:r>
-            <a:r>
-              <a:rPr lang="en-US" sz="1500" dirty="0" smtClean="0"/>
-              <a:t>there are many other controllers in kubernetes</a:t>
+              <a:t>Apart from the ones mentioned previously there are many other controllers in kubernetes</a:t>
             </a:r>
             <a:r>
               <a:rPr lang="en-US" sz="1600" dirty="0" smtClean="0"/>
